--- a/ApresentacaoRibas/apresentaçãoRibas_JHA.pptx
+++ b/ApresentacaoRibas/apresentaçãoRibas_JHA.pptx
@@ -12903,6 +12903,49 @@
           </a:p>
         </p:txBody>
       </p:sp>
+      <p:sp>
+        <p:nvSpPr>
+          <p:cNvPr id="37" name="TextBox 36">
+            <a:extLst>
+              <a:ext uri="{FF2B5EF4-FFF2-40B4-BE49-F238E27FC236}">
+                <a16:creationId xmlns:a16="http://schemas.microsoft.com/office/drawing/2014/main" id="{DE3E4532-E5AC-4D34-83B4-3B42618E58A3}"/>
+              </a:ext>
+            </a:extLst>
+          </p:cNvPr>
+          <p:cNvSpPr txBox="1"/>
+          <p:nvPr/>
+        </p:nvSpPr>
+        <p:spPr>
+          <a:xfrm>
+            <a:off x="804536" y="2195937"/>
+            <a:ext cx="1029449" cy="415498"/>
+          </a:xfrm>
+          <a:prstGeom prst="rect">
+            <a:avLst/>
+          </a:prstGeom>
+          <a:noFill/>
+        </p:spPr>
+        <p:txBody>
+          <a:bodyPr wrap="none" rtlCol="0">
+            <a:spAutoFit/>
+          </a:bodyPr>
+          <a:lstStyle/>
+          <a:p>
+            <a:r>
+              <a:rPr lang="pt-BR" sz="1050" dirty="0"/>
+              <a:t>for i = 1, ..., n-1</a:t>
+            </a:r>
+            <a:endParaRPr lang="en-US" sz="1050" dirty="0"/>
+          </a:p>
+          <a:p>
+            <a:r>
+              <a:rPr lang="en-US" sz="1050" dirty="0"/>
+              <a:t>for j = i+1, …, n</a:t>
+            </a:r>
+            <a:endParaRPr lang="pt-BR" sz="1050" dirty="0"/>
+          </a:p>
+        </p:txBody>
+      </p:sp>
     </p:spTree>
     <p:extLst>
       <p:ext uri="{BB962C8B-B14F-4D97-AF65-F5344CB8AC3E}">
@@ -15096,7 +15139,7 @@
         </p:nvSpPr>
         <p:spPr>
           <a:xfrm>
-            <a:off x="838200" y="4725177"/>
+            <a:off x="838200" y="5090937"/>
             <a:ext cx="9232900" cy="646331"/>
           </a:xfrm>
           <a:prstGeom prst="rect">
@@ -15398,6 +15441,86 @@
           </a:fontRef>
         </p:style>
       </p:cxnSp>
+      <p:sp>
+        <p:nvSpPr>
+          <p:cNvPr id="54" name="Left Brace 53">
+            <a:extLst>
+              <a:ext uri="{FF2B5EF4-FFF2-40B4-BE49-F238E27FC236}">
+                <a16:creationId xmlns:a16="http://schemas.microsoft.com/office/drawing/2014/main" id="{686F6716-0D2A-4DEF-AC2C-D31A9ECA0129}"/>
+              </a:ext>
+            </a:extLst>
+          </p:cNvPr>
+          <p:cNvSpPr/>
+          <p:nvPr/>
+        </p:nvSpPr>
+        <p:spPr>
+          <a:xfrm rot="16200000">
+            <a:off x="6383476" y="76208"/>
+            <a:ext cx="53665" cy="8621401"/>
+          </a:xfrm>
+          <a:prstGeom prst="leftBrace">
+            <a:avLst/>
+          </a:prstGeom>
+        </p:spPr>
+        <p:style>
+          <a:lnRef idx="3">
+            <a:schemeClr val="dk1"/>
+          </a:lnRef>
+          <a:fillRef idx="0">
+            <a:schemeClr val="dk1"/>
+          </a:fillRef>
+          <a:effectRef idx="2">
+            <a:schemeClr val="dk1"/>
+          </a:effectRef>
+          <a:fontRef idx="minor">
+            <a:schemeClr val="tx1"/>
+          </a:fontRef>
+        </p:style>
+        <p:txBody>
+          <a:bodyPr rtlCol="0" anchor="ctr"/>
+          <a:lstStyle/>
+          <a:p>
+            <a:pPr algn="ctr"/>
+            <a:endParaRPr lang="en-US"/>
+          </a:p>
+        </p:txBody>
+      </p:sp>
+      <p:sp>
+        <p:nvSpPr>
+          <p:cNvPr id="55" name="TextBox 54">
+            <a:extLst>
+              <a:ext uri="{FF2B5EF4-FFF2-40B4-BE49-F238E27FC236}">
+                <a16:creationId xmlns:a16="http://schemas.microsoft.com/office/drawing/2014/main" id="{F5D4DB3D-09DF-4FA6-B9E0-ABF450C8E46C}"/>
+              </a:ext>
+            </a:extLst>
+          </p:cNvPr>
+          <p:cNvSpPr txBox="1"/>
+          <p:nvPr/>
+        </p:nvSpPr>
+        <p:spPr>
+          <a:xfrm>
+            <a:off x="5277661" y="4535425"/>
+            <a:ext cx="2264741" cy="369332"/>
+          </a:xfrm>
+          <a:prstGeom prst="rect">
+            <a:avLst/>
+          </a:prstGeom>
+          <a:noFill/>
+        </p:spPr>
+        <p:txBody>
+          <a:bodyPr wrap="square">
+            <a:spAutoFit/>
+          </a:bodyPr>
+          <a:lstStyle/>
+          <a:p>
+            <a:r>
+              <a:rPr lang="pt-BR" sz="1800" dirty="0"/>
+              <a:t>n.(n-1)/2 = 10 vizinhos </a:t>
+            </a:r>
+            <a:endParaRPr lang="en-US" dirty="0"/>
+          </a:p>
+        </p:txBody>
+      </p:sp>
     </p:spTree>
     <p:extLst>
       <p:ext uri="{BB962C8B-B14F-4D97-AF65-F5344CB8AC3E}">
@@ -20702,8 +20825,8 @@
         </p:nvSpPr>
         <p:spPr>
           <a:xfrm>
-            <a:off x="942297" y="2373868"/>
-            <a:ext cx="2234586" cy="738664"/>
+            <a:off x="527119" y="2373868"/>
+            <a:ext cx="3064943" cy="461665"/>
           </a:xfrm>
           <a:prstGeom prst="rect">
             <a:avLst/>
@@ -20735,11 +20858,8 @@
             </a:r>
             <a:r>
               <a:rPr lang="pt-BR" dirty="0"/>
-              <a:t>:</a:t>
-            </a:r>
-          </a:p>
-          <a:p>
-            <a:pPr algn="ctr"/>
+              <a:t>: </a:t>
+            </a:r>
             <a:r>
               <a:rPr lang="pt-BR" sz="2400" b="1" dirty="0">
                 <a:solidFill>
@@ -20765,8 +20885,8 @@
         </p:nvSpPr>
         <p:spPr>
           <a:xfrm>
-            <a:off x="3799953" y="2373868"/>
-            <a:ext cx="1594860" cy="738664"/>
+            <a:off x="1160807" y="3152212"/>
+            <a:ext cx="2425216" cy="461665"/>
           </a:xfrm>
           <a:prstGeom prst="rect">
             <a:avLst/>
@@ -20774,7 +20894,7 @@
           <a:noFill/>
         </p:spPr>
         <p:txBody>
-          <a:bodyPr wrap="none" rtlCol="0">
+          <a:bodyPr wrap="square" rtlCol="0">
             <a:spAutoFit/>
           </a:bodyPr>
           <a:lstStyle/>
@@ -20790,11 +20910,8 @@
             </a:r>
             <a:r>
               <a:rPr lang="pt-BR" dirty="0"/>
-              <a:t>:</a:t>
-            </a:r>
-          </a:p>
-          <a:p>
-            <a:pPr algn="ctr"/>
+              <a:t>: </a:t>
+            </a:r>
             <a:r>
               <a:rPr lang="pt-BR" sz="2400" b="1" dirty="0">
                 <a:solidFill>
@@ -20856,8 +20973,8 @@
         </p:nvSpPr>
         <p:spPr>
           <a:xfrm>
-            <a:off x="69572" y="4545318"/>
-            <a:ext cx="768628" cy="646331"/>
+            <a:off x="69572" y="4596118"/>
+            <a:ext cx="768628" cy="553998"/>
           </a:xfrm>
           <a:prstGeom prst="rect">
             <a:avLst/>
@@ -20871,20 +20988,15 @@
           <a:lstStyle/>
           <a:p>
             <a:r>
+              <a:rPr lang="pt-BR" sz="1200" b="1" dirty="0"/>
+              <a:t>Variante</a:t>
+            </a:r>
+          </a:p>
+          <a:p>
+            <a:r>
               <a:rPr lang="pt-BR" b="1" dirty="0"/>
               <a:t>NEDA</a:t>
             </a:r>
-          </a:p>
-          <a:p>
-            <a:r>
-              <a:rPr lang="pt-BR" b="1" dirty="0" err="1"/>
-              <a:t>Adap</a:t>
-            </a:r>
-            <a:r>
-              <a:rPr lang="pt-BR" b="1" dirty="0"/>
-              <a:t>.</a:t>
-            </a:r>
-            <a:endParaRPr lang="en-US" b="1" dirty="0"/>
           </a:p>
         </p:txBody>
       </p:sp>
@@ -21409,9 +21521,33 @@
           <a:p>
             <a:r>
               <a:rPr lang="pt-BR" sz="1050" dirty="0"/>
-              <a:t>i = 2; j = 4</a:t>
-            </a:r>
-            <a:endParaRPr lang="en-US" sz="1050" dirty="0"/>
+              <a:t>i = </a:t>
+            </a:r>
+            <a:r>
+              <a:rPr lang="pt-BR" sz="1050" b="1" dirty="0">
+                <a:solidFill>
+                  <a:schemeClr val="accent2"/>
+                </a:solidFill>
+              </a:rPr>
+              <a:t>2</a:t>
+            </a:r>
+            <a:r>
+              <a:rPr lang="pt-BR" sz="1050" dirty="0"/>
+              <a:t>; j = </a:t>
+            </a:r>
+            <a:r>
+              <a:rPr lang="pt-BR" sz="1050" b="1" dirty="0">
+                <a:solidFill>
+                  <a:schemeClr val="accent2"/>
+                </a:solidFill>
+              </a:rPr>
+              <a:t>4</a:t>
+            </a:r>
+            <a:endParaRPr lang="en-US" sz="1050" b="1" dirty="0">
+              <a:solidFill>
+                <a:schemeClr val="accent2"/>
+              </a:solidFill>
+            </a:endParaRPr>
           </a:p>
         </p:txBody>
       </p:sp>
@@ -21445,9 +21581,33 @@
           <a:p>
             <a:r>
               <a:rPr lang="pt-BR" sz="1050" dirty="0"/>
-              <a:t>i = 2; j = 3</a:t>
-            </a:r>
-            <a:endParaRPr lang="en-US" sz="1050" dirty="0"/>
+              <a:t>i =</a:t>
+            </a:r>
+            <a:r>
+              <a:rPr lang="pt-BR" sz="1050" b="1" dirty="0">
+                <a:solidFill>
+                  <a:schemeClr val="accent2"/>
+                </a:solidFill>
+              </a:rPr>
+              <a:t> 2</a:t>
+            </a:r>
+            <a:r>
+              <a:rPr lang="pt-BR" sz="1050" dirty="0"/>
+              <a:t>; j = </a:t>
+            </a:r>
+            <a:r>
+              <a:rPr lang="pt-BR" sz="1050" b="1" dirty="0">
+                <a:solidFill>
+                  <a:schemeClr val="accent2"/>
+                </a:solidFill>
+              </a:rPr>
+              <a:t>3</a:t>
+            </a:r>
+            <a:endParaRPr lang="en-US" sz="1050" b="1" dirty="0">
+              <a:solidFill>
+                <a:schemeClr val="accent2"/>
+              </a:solidFill>
+            </a:endParaRPr>
           </a:p>
         </p:txBody>
       </p:sp>
@@ -21481,9 +21641,33 @@
           <a:p>
             <a:r>
               <a:rPr lang="pt-BR" sz="1050" dirty="0"/>
-              <a:t>i = 2; j = 5</a:t>
-            </a:r>
-            <a:endParaRPr lang="en-US" sz="1050" dirty="0"/>
+              <a:t>i = </a:t>
+            </a:r>
+            <a:r>
+              <a:rPr lang="pt-BR" sz="1050" b="1" dirty="0">
+                <a:solidFill>
+                  <a:schemeClr val="accent2"/>
+                </a:solidFill>
+              </a:rPr>
+              <a:t>2</a:t>
+            </a:r>
+            <a:r>
+              <a:rPr lang="pt-BR" sz="1050" dirty="0"/>
+              <a:t>; j = </a:t>
+            </a:r>
+            <a:r>
+              <a:rPr lang="pt-BR" sz="1050" b="1" dirty="0">
+                <a:solidFill>
+                  <a:schemeClr val="accent2"/>
+                </a:solidFill>
+              </a:rPr>
+              <a:t>5</a:t>
+            </a:r>
+            <a:endParaRPr lang="en-US" sz="1050" b="1" dirty="0">
+              <a:solidFill>
+                <a:schemeClr val="accent2"/>
+              </a:solidFill>
+            </a:endParaRPr>
           </a:p>
         </p:txBody>
       </p:sp>
@@ -21517,9 +21701,33 @@
           <a:p>
             <a:r>
               <a:rPr lang="pt-BR" sz="1050" dirty="0"/>
-              <a:t>i = 2; j = 1</a:t>
-            </a:r>
-            <a:endParaRPr lang="en-US" sz="1050" dirty="0"/>
+              <a:t>i = </a:t>
+            </a:r>
+            <a:r>
+              <a:rPr lang="pt-BR" sz="1050" b="1" dirty="0">
+                <a:solidFill>
+                  <a:schemeClr val="accent2"/>
+                </a:solidFill>
+              </a:rPr>
+              <a:t>2</a:t>
+            </a:r>
+            <a:r>
+              <a:rPr lang="pt-BR" sz="1050" dirty="0"/>
+              <a:t>; j = </a:t>
+            </a:r>
+            <a:r>
+              <a:rPr lang="pt-BR" sz="1050" b="1" dirty="0">
+                <a:solidFill>
+                  <a:schemeClr val="accent2"/>
+                </a:solidFill>
+              </a:rPr>
+              <a:t>1</a:t>
+            </a:r>
+            <a:endParaRPr lang="en-US" sz="1050" b="1" dirty="0">
+              <a:solidFill>
+                <a:schemeClr val="accent2"/>
+              </a:solidFill>
+            </a:endParaRPr>
           </a:p>
         </p:txBody>
       </p:sp>
@@ -21553,9 +21761,33 @@
           <a:p>
             <a:r>
               <a:rPr lang="pt-BR" sz="1050" dirty="0"/>
-              <a:t>i = 4; j = 3</a:t>
-            </a:r>
-            <a:endParaRPr lang="en-US" sz="1050" dirty="0"/>
+              <a:t>i = </a:t>
+            </a:r>
+            <a:r>
+              <a:rPr lang="pt-BR" sz="1050" b="1" dirty="0">
+                <a:solidFill>
+                  <a:schemeClr val="accent2"/>
+                </a:solidFill>
+              </a:rPr>
+              <a:t>4</a:t>
+            </a:r>
+            <a:r>
+              <a:rPr lang="pt-BR" sz="1050" dirty="0"/>
+              <a:t>; j = </a:t>
+            </a:r>
+            <a:r>
+              <a:rPr lang="pt-BR" sz="1050" b="1" dirty="0">
+                <a:solidFill>
+                  <a:schemeClr val="accent2"/>
+                </a:solidFill>
+              </a:rPr>
+              <a:t>3</a:t>
+            </a:r>
+            <a:endParaRPr lang="en-US" sz="1050" b="1" dirty="0">
+              <a:solidFill>
+                <a:schemeClr val="accent2"/>
+              </a:solidFill>
+            </a:endParaRPr>
           </a:p>
         </p:txBody>
       </p:sp>
@@ -21589,9 +21821,33 @@
           <a:p>
             <a:r>
               <a:rPr lang="pt-BR" sz="1050" dirty="0"/>
-              <a:t>i = 4; j = 5</a:t>
-            </a:r>
-            <a:endParaRPr lang="en-US" sz="1050" dirty="0"/>
+              <a:t>i = </a:t>
+            </a:r>
+            <a:r>
+              <a:rPr lang="pt-BR" sz="1050" b="1" dirty="0">
+                <a:solidFill>
+                  <a:schemeClr val="accent2"/>
+                </a:solidFill>
+              </a:rPr>
+              <a:t>4</a:t>
+            </a:r>
+            <a:r>
+              <a:rPr lang="pt-BR" sz="1050" dirty="0"/>
+              <a:t>; j = </a:t>
+            </a:r>
+            <a:r>
+              <a:rPr lang="pt-BR" sz="1050" b="1" dirty="0">
+                <a:solidFill>
+                  <a:schemeClr val="accent2"/>
+                </a:solidFill>
+              </a:rPr>
+              <a:t>5</a:t>
+            </a:r>
+            <a:endParaRPr lang="en-US" sz="1050" b="1" dirty="0">
+              <a:solidFill>
+                <a:schemeClr val="accent2"/>
+              </a:solidFill>
+            </a:endParaRPr>
           </a:p>
         </p:txBody>
       </p:sp>
@@ -21625,9 +21881,33 @@
           <a:p>
             <a:r>
               <a:rPr lang="pt-BR" sz="1050" dirty="0"/>
-              <a:t>i = 4; j = 1</a:t>
-            </a:r>
-            <a:endParaRPr lang="en-US" sz="1050" dirty="0"/>
+              <a:t>i = </a:t>
+            </a:r>
+            <a:r>
+              <a:rPr lang="pt-BR" sz="1050" b="1" dirty="0">
+                <a:solidFill>
+                  <a:schemeClr val="accent2"/>
+                </a:solidFill>
+              </a:rPr>
+              <a:t>4</a:t>
+            </a:r>
+            <a:r>
+              <a:rPr lang="pt-BR" sz="1050" dirty="0"/>
+              <a:t>; j = </a:t>
+            </a:r>
+            <a:r>
+              <a:rPr lang="pt-BR" sz="1050" b="1" dirty="0">
+                <a:solidFill>
+                  <a:schemeClr val="accent2"/>
+                </a:solidFill>
+              </a:rPr>
+              <a:t>1</a:t>
+            </a:r>
+            <a:endParaRPr lang="en-US" sz="1050" b="1" dirty="0">
+              <a:solidFill>
+                <a:schemeClr val="accent2"/>
+              </a:solidFill>
+            </a:endParaRPr>
           </a:p>
         </p:txBody>
       </p:sp>
@@ -21661,9 +21941,33 @@
           <a:p>
             <a:r>
               <a:rPr lang="pt-BR" sz="1050" dirty="0"/>
-              <a:t>i = 3; j = 5</a:t>
-            </a:r>
-            <a:endParaRPr lang="en-US" sz="1050" dirty="0"/>
+              <a:t>i = </a:t>
+            </a:r>
+            <a:r>
+              <a:rPr lang="pt-BR" sz="1050" b="1" dirty="0">
+                <a:solidFill>
+                  <a:schemeClr val="accent2"/>
+                </a:solidFill>
+              </a:rPr>
+              <a:t>3</a:t>
+            </a:r>
+            <a:r>
+              <a:rPr lang="pt-BR" sz="1050" dirty="0"/>
+              <a:t>; j = </a:t>
+            </a:r>
+            <a:r>
+              <a:rPr lang="pt-BR" sz="1050" b="1" dirty="0">
+                <a:solidFill>
+                  <a:schemeClr val="accent2"/>
+                </a:solidFill>
+              </a:rPr>
+              <a:t>5</a:t>
+            </a:r>
+            <a:endParaRPr lang="en-US" sz="1050" b="1" dirty="0">
+              <a:solidFill>
+                <a:schemeClr val="accent2"/>
+              </a:solidFill>
+            </a:endParaRPr>
           </a:p>
         </p:txBody>
       </p:sp>
@@ -21697,9 +22001,33 @@
           <a:p>
             <a:r>
               <a:rPr lang="pt-BR" sz="1050" dirty="0"/>
-              <a:t>i = 3; j = 1</a:t>
-            </a:r>
-            <a:endParaRPr lang="en-US" sz="1050" dirty="0"/>
+              <a:t>i = </a:t>
+            </a:r>
+            <a:r>
+              <a:rPr lang="pt-BR" sz="1050" b="1" dirty="0">
+                <a:solidFill>
+                  <a:schemeClr val="accent2"/>
+                </a:solidFill>
+              </a:rPr>
+              <a:t>3</a:t>
+            </a:r>
+            <a:r>
+              <a:rPr lang="pt-BR" sz="1050" dirty="0"/>
+              <a:t>; j = </a:t>
+            </a:r>
+            <a:r>
+              <a:rPr lang="pt-BR" sz="1050" b="1" dirty="0">
+                <a:solidFill>
+                  <a:schemeClr val="accent2"/>
+                </a:solidFill>
+              </a:rPr>
+              <a:t>1</a:t>
+            </a:r>
+            <a:endParaRPr lang="en-US" sz="1050" b="1" dirty="0">
+              <a:solidFill>
+                <a:schemeClr val="accent2"/>
+              </a:solidFill>
+            </a:endParaRPr>
           </a:p>
         </p:txBody>
       </p:sp>
@@ -21733,9 +22061,33 @@
           <a:p>
             <a:r>
               <a:rPr lang="pt-BR" sz="1050" dirty="0"/>
-              <a:t>i = 5; j = 1</a:t>
-            </a:r>
-            <a:endParaRPr lang="en-US" sz="1050" dirty="0"/>
+              <a:t>i = </a:t>
+            </a:r>
+            <a:r>
+              <a:rPr lang="pt-BR" sz="1050" b="1" dirty="0">
+                <a:solidFill>
+                  <a:schemeClr val="accent2"/>
+                </a:solidFill>
+              </a:rPr>
+              <a:t>5</a:t>
+            </a:r>
+            <a:r>
+              <a:rPr lang="pt-BR" sz="1050" dirty="0"/>
+              <a:t>; j = </a:t>
+            </a:r>
+            <a:r>
+              <a:rPr lang="pt-BR" sz="1050" b="1" dirty="0">
+                <a:solidFill>
+                  <a:schemeClr val="accent2"/>
+                </a:solidFill>
+              </a:rPr>
+              <a:t>1</a:t>
+            </a:r>
+            <a:endParaRPr lang="en-US" sz="1050" b="1" dirty="0">
+              <a:solidFill>
+                <a:schemeClr val="accent2"/>
+              </a:solidFill>
+            </a:endParaRPr>
           </a:p>
         </p:txBody>
       </p:sp>
@@ -22108,6 +22460,133 @@
           <a:p>
             <a:pPr algn="ctr"/>
             <a:endParaRPr lang="en-US"/>
+          </a:p>
+        </p:txBody>
+      </p:sp>
+      <p:sp>
+        <p:nvSpPr>
+          <p:cNvPr id="85" name="TextBox 84">
+            <a:extLst>
+              <a:ext uri="{FF2B5EF4-FFF2-40B4-BE49-F238E27FC236}">
+                <a16:creationId xmlns:a16="http://schemas.microsoft.com/office/drawing/2014/main" id="{5A43247E-7027-45E3-BF8F-49272715FF45}"/>
+              </a:ext>
+            </a:extLst>
+          </p:cNvPr>
+          <p:cNvSpPr txBox="1"/>
+          <p:nvPr/>
+        </p:nvSpPr>
+        <p:spPr>
+          <a:xfrm>
+            <a:off x="868679" y="2784947"/>
+            <a:ext cx="3266441" cy="461665"/>
+          </a:xfrm>
+          <a:prstGeom prst="rect">
+            <a:avLst/>
+          </a:prstGeom>
+          <a:noFill/>
+        </p:spPr>
+        <p:txBody>
+          <a:bodyPr wrap="square" rtlCol="0">
+            <a:spAutoFit/>
+          </a:bodyPr>
+          <a:lstStyle/>
+          <a:p>
+            <a:r>
+              <a:rPr lang="pt-BR" dirty="0"/>
+              <a:t>Posições originais: </a:t>
+            </a:r>
+            <a:r>
+              <a:rPr lang="pt-BR" sz="2400" dirty="0"/>
+              <a:t>12345</a:t>
+            </a:r>
+          </a:p>
+        </p:txBody>
+      </p:sp>
+      <p:sp>
+        <p:nvSpPr>
+          <p:cNvPr id="87" name="TextBox 86">
+            <a:extLst>
+              <a:ext uri="{FF2B5EF4-FFF2-40B4-BE49-F238E27FC236}">
+                <a16:creationId xmlns:a16="http://schemas.microsoft.com/office/drawing/2014/main" id="{D1DF0CB2-918F-4E0D-B1CC-97B4091344FE}"/>
+              </a:ext>
+            </a:extLst>
+          </p:cNvPr>
+          <p:cNvSpPr txBox="1"/>
+          <p:nvPr/>
+        </p:nvSpPr>
+        <p:spPr>
+          <a:xfrm>
+            <a:off x="3927014" y="2825447"/>
+            <a:ext cx="721990" cy="369332"/>
+          </a:xfrm>
+          <a:prstGeom prst="rect">
+            <a:avLst/>
+          </a:prstGeom>
+          <a:noFill/>
+        </p:spPr>
+        <p:txBody>
+          <a:bodyPr wrap="square">
+            <a:spAutoFit/>
+          </a:bodyPr>
+          <a:lstStyle/>
+          <a:p>
+            <a:r>
+              <a:rPr lang="pt-BR" dirty="0"/>
+              <a:t>(i, j)</a:t>
+            </a:r>
+            <a:endParaRPr lang="en-US" dirty="0"/>
+          </a:p>
+        </p:txBody>
+      </p:sp>
+      <p:sp>
+        <p:nvSpPr>
+          <p:cNvPr id="88" name="TextBox 87">
+            <a:extLst>
+              <a:ext uri="{FF2B5EF4-FFF2-40B4-BE49-F238E27FC236}">
+                <a16:creationId xmlns:a16="http://schemas.microsoft.com/office/drawing/2014/main" id="{DDCF80BE-A49D-478D-A993-2C04C41F243C}"/>
+              </a:ext>
+            </a:extLst>
+          </p:cNvPr>
+          <p:cNvSpPr txBox="1"/>
+          <p:nvPr/>
+        </p:nvSpPr>
+        <p:spPr>
+          <a:xfrm>
+            <a:off x="3754293" y="3218698"/>
+            <a:ext cx="1033072" cy="369332"/>
+          </a:xfrm>
+          <a:prstGeom prst="rect">
+            <a:avLst/>
+          </a:prstGeom>
+          <a:noFill/>
+        </p:spPr>
+        <p:txBody>
+          <a:bodyPr wrap="square">
+            <a:spAutoFit/>
+          </a:bodyPr>
+          <a:lstStyle/>
+          <a:p>
+            <a:r>
+              <a:rPr lang="pt-BR" dirty="0"/>
+              <a:t>(i</a:t>
+            </a:r>
+            <a:r>
+              <a:rPr lang="pt-BR" baseline="-25000" dirty="0"/>
+              <a:t>rev</a:t>
+            </a:r>
+            <a:r>
+              <a:rPr lang="pt-BR" dirty="0"/>
+              <a:t>, j</a:t>
+            </a:r>
+            <a:r>
+              <a:rPr lang="pt-BR" baseline="-25000" dirty="0"/>
+              <a:t>rev</a:t>
+            </a:r>
+            <a:r>
+              <a:rPr lang="pt-BR" dirty="0"/>
+              <a:t>)</a:t>
+            </a:r>
+            <a:endParaRPr lang="en-US" dirty="0"/>
           </a:p>
         </p:txBody>
       </p:sp>
@@ -24064,6 +24543,222 @@
           </a:fontRef>
         </p:style>
       </p:cxnSp>
+      <p:sp>
+        <p:nvSpPr>
+          <p:cNvPr id="181" name="TextBox 180">
+            <a:extLst>
+              <a:ext uri="{FF2B5EF4-FFF2-40B4-BE49-F238E27FC236}">
+                <a16:creationId xmlns:a16="http://schemas.microsoft.com/office/drawing/2014/main" id="{237EA7A9-915B-42C4-A6F0-49F2A736E42D}"/>
+              </a:ext>
+            </a:extLst>
+          </p:cNvPr>
+          <p:cNvSpPr txBox="1"/>
+          <p:nvPr/>
+        </p:nvSpPr>
+        <p:spPr>
+          <a:xfrm>
+            <a:off x="4352289" y="2927149"/>
+            <a:ext cx="228600" cy="276999"/>
+          </a:xfrm>
+          <a:prstGeom prst="rect">
+            <a:avLst/>
+          </a:prstGeom>
+          <a:noFill/>
+        </p:spPr>
+        <p:txBody>
+          <a:bodyPr wrap="square">
+            <a:spAutoFit/>
+          </a:bodyPr>
+          <a:lstStyle/>
+          <a:p>
+            <a:r>
+              <a:rPr lang="pt-BR" sz="1200" b="1" dirty="0"/>
+              <a:t>S</a:t>
+            </a:r>
+            <a:endParaRPr lang="en-US" sz="1200" b="1" dirty="0"/>
+          </a:p>
+        </p:txBody>
+      </p:sp>
+      <p:sp>
+        <p:nvSpPr>
+          <p:cNvPr id="182" name="TextBox 181">
+            <a:extLst>
+              <a:ext uri="{FF2B5EF4-FFF2-40B4-BE49-F238E27FC236}">
+                <a16:creationId xmlns:a16="http://schemas.microsoft.com/office/drawing/2014/main" id="{811D4795-7601-4696-AAC3-E629098B0C8E}"/>
+              </a:ext>
+            </a:extLst>
+          </p:cNvPr>
+          <p:cNvSpPr txBox="1"/>
+          <p:nvPr/>
+        </p:nvSpPr>
+        <p:spPr>
+          <a:xfrm>
+            <a:off x="8645696" y="3943821"/>
+            <a:ext cx="228600" cy="276999"/>
+          </a:xfrm>
+          <a:prstGeom prst="rect">
+            <a:avLst/>
+          </a:prstGeom>
+          <a:noFill/>
+        </p:spPr>
+        <p:txBody>
+          <a:bodyPr wrap="square">
+            <a:spAutoFit/>
+          </a:bodyPr>
+          <a:lstStyle/>
+          <a:p>
+            <a:r>
+              <a:rPr lang="pt-BR" sz="1200" b="1" dirty="0"/>
+              <a:t>S</a:t>
+            </a:r>
+            <a:endParaRPr lang="en-US" sz="1200" b="1" dirty="0"/>
+          </a:p>
+        </p:txBody>
+      </p:sp>
+      <p:sp>
+        <p:nvSpPr>
+          <p:cNvPr id="183" name="TextBox 182">
+            <a:extLst>
+              <a:ext uri="{FF2B5EF4-FFF2-40B4-BE49-F238E27FC236}">
+                <a16:creationId xmlns:a16="http://schemas.microsoft.com/office/drawing/2014/main" id="{E1143B9D-91B4-4666-8A5C-DBFBD534DDA8}"/>
+              </a:ext>
+            </a:extLst>
+          </p:cNvPr>
+          <p:cNvSpPr txBox="1"/>
+          <p:nvPr/>
+        </p:nvSpPr>
+        <p:spPr>
+          <a:xfrm>
+            <a:off x="10237918" y="3922462"/>
+            <a:ext cx="228600" cy="276999"/>
+          </a:xfrm>
+          <a:prstGeom prst="rect">
+            <a:avLst/>
+          </a:prstGeom>
+          <a:noFill/>
+        </p:spPr>
+        <p:txBody>
+          <a:bodyPr wrap="square">
+            <a:spAutoFit/>
+          </a:bodyPr>
+          <a:lstStyle/>
+          <a:p>
+            <a:r>
+              <a:rPr lang="pt-BR" sz="1200" b="1" dirty="0"/>
+              <a:t>S</a:t>
+            </a:r>
+            <a:endParaRPr lang="en-US" sz="1200" b="1" dirty="0"/>
+          </a:p>
+        </p:txBody>
+      </p:sp>
+      <p:sp>
+        <p:nvSpPr>
+          <p:cNvPr id="184" name="TextBox 183">
+            <a:extLst>
+              <a:ext uri="{FF2B5EF4-FFF2-40B4-BE49-F238E27FC236}">
+                <a16:creationId xmlns:a16="http://schemas.microsoft.com/office/drawing/2014/main" id="{62F2E43E-2BF5-454E-B8B7-D98352BCF5EF}"/>
+              </a:ext>
+            </a:extLst>
+          </p:cNvPr>
+          <p:cNvSpPr txBox="1"/>
+          <p:nvPr/>
+        </p:nvSpPr>
+        <p:spPr>
+          <a:xfrm>
+            <a:off x="5010866" y="2362818"/>
+            <a:ext cx="228600" cy="276999"/>
+          </a:xfrm>
+          <a:prstGeom prst="rect">
+            <a:avLst/>
+          </a:prstGeom>
+          <a:noFill/>
+        </p:spPr>
+        <p:txBody>
+          <a:bodyPr wrap="square">
+            <a:spAutoFit/>
+          </a:bodyPr>
+          <a:lstStyle/>
+          <a:p>
+            <a:r>
+              <a:rPr lang="pt-BR" sz="1200" b="1" dirty="0"/>
+              <a:t>N</a:t>
+            </a:r>
+            <a:endParaRPr lang="en-US" sz="1200" b="1" dirty="0"/>
+          </a:p>
+        </p:txBody>
+      </p:sp>
+      <p:sp>
+        <p:nvSpPr>
+          <p:cNvPr id="185" name="TextBox 184">
+            <a:extLst>
+              <a:ext uri="{FF2B5EF4-FFF2-40B4-BE49-F238E27FC236}">
+                <a16:creationId xmlns:a16="http://schemas.microsoft.com/office/drawing/2014/main" id="{2C88B92C-52A4-4AC5-BEED-3169907C529E}"/>
+              </a:ext>
+            </a:extLst>
+          </p:cNvPr>
+          <p:cNvSpPr txBox="1"/>
+          <p:nvPr/>
+        </p:nvSpPr>
+        <p:spPr>
+          <a:xfrm>
+            <a:off x="9233927" y="3343013"/>
+            <a:ext cx="228600" cy="276999"/>
+          </a:xfrm>
+          <a:prstGeom prst="rect">
+            <a:avLst/>
+          </a:prstGeom>
+          <a:noFill/>
+        </p:spPr>
+        <p:txBody>
+          <a:bodyPr wrap="square">
+            <a:spAutoFit/>
+          </a:bodyPr>
+          <a:lstStyle/>
+          <a:p>
+            <a:r>
+              <a:rPr lang="pt-BR" sz="1200" b="1" dirty="0"/>
+              <a:t>N</a:t>
+            </a:r>
+            <a:endParaRPr lang="en-US" sz="1200" b="1" dirty="0"/>
+          </a:p>
+        </p:txBody>
+      </p:sp>
+      <p:sp>
+        <p:nvSpPr>
+          <p:cNvPr id="186" name="TextBox 185">
+            <a:extLst>
+              <a:ext uri="{FF2B5EF4-FFF2-40B4-BE49-F238E27FC236}">
+                <a16:creationId xmlns:a16="http://schemas.microsoft.com/office/drawing/2014/main" id="{DBFA18EE-B57A-43F8-8B9B-B4731B3AE8AD}"/>
+              </a:ext>
+            </a:extLst>
+          </p:cNvPr>
+          <p:cNvSpPr txBox="1"/>
+          <p:nvPr/>
+        </p:nvSpPr>
+        <p:spPr>
+          <a:xfrm>
+            <a:off x="10863625" y="3343012"/>
+            <a:ext cx="228600" cy="276999"/>
+          </a:xfrm>
+          <a:prstGeom prst="rect">
+            <a:avLst/>
+          </a:prstGeom>
+          <a:noFill/>
+        </p:spPr>
+        <p:txBody>
+          <a:bodyPr wrap="square">
+            <a:spAutoFit/>
+          </a:bodyPr>
+          <a:lstStyle/>
+          <a:p>
+            <a:r>
+              <a:rPr lang="pt-BR" sz="1200" b="1" dirty="0"/>
+              <a:t>N</a:t>
+            </a:r>
+            <a:endParaRPr lang="en-US" sz="1200" b="1" dirty="0"/>
+          </a:p>
+        </p:txBody>
+      </p:sp>
     </p:spTree>
     <p:extLst>
       <p:ext uri="{BB962C8B-B14F-4D97-AF65-F5344CB8AC3E}">
